--- a/hw01.pptx
+++ b/hw01.pptx
@@ -2,7 +2,7 @@
 <file path=ppt/presentation.xml><?xml version="1.0" encoding="utf-8"?>
 <p:presentation xmlns:a="http://schemas.openxmlformats.org/drawingml/2006/main" xmlns:r="http://schemas.openxmlformats.org/officeDocument/2006/relationships" xmlns:p="http://schemas.openxmlformats.org/presentationml/2006/main" saveSubsetFonts="1">
   <p:sldMasterIdLst>
-    <p:sldMasterId id="2147483660" r:id="rId1"/>
+    <p:sldMasterId id="2147483684" r:id="rId1"/>
   </p:sldMasterIdLst>
   <p:notesMasterIdLst>
     <p:notesMasterId r:id="rId10"/>
@@ -204,7 +204,7 @@
           <a:p>
             <a:fld id="{5A28D9C0-FD00-4FB3-8104-BA389FCB1133}" type="datetimeFigureOut">
               <a:rPr lang="zh-TW" altLang="en-US" smtClean="0"/>
-              <a:t>2024/9/9</a:t>
+              <a:t>2024/10/10</a:t>
             </a:fld>
             <a:endParaRPr lang="zh-TW" altLang="en-US"/>
           </a:p>
@@ -1322,7 +1322,7 @@
           <a:p>
             <a:fld id="{13F38D5B-A796-42A9-A25B-F776DA9F6316}" type="datetimeFigureOut">
               <a:rPr lang="zh-TW" altLang="en-US" smtClean="0"/>
-              <a:t>2024/9/9</a:t>
+              <a:t>2024/10/10</a:t>
             </a:fld>
             <a:endParaRPr lang="zh-TW" altLang="en-US"/>
           </a:p>
@@ -1424,7 +1424,7 @@
     </p:spTree>
     <p:extLst>
       <p:ext uri="{BB962C8B-B14F-4D97-AF65-F5344CB8AC3E}">
-        <p14:creationId xmlns:p14="http://schemas.microsoft.com/office/powerpoint/2010/main" val="3646937453"/>
+        <p14:creationId xmlns:p14="http://schemas.microsoft.com/office/powerpoint/2010/main" val="3319479411"/>
       </p:ext>
     </p:extLst>
   </p:cSld>
@@ -1543,7 +1543,7 @@
           <a:p>
             <a:fld id="{13F38D5B-A796-42A9-A25B-F776DA9F6316}" type="datetimeFigureOut">
               <a:rPr lang="zh-TW" altLang="en-US" smtClean="0"/>
-              <a:t>2024/9/9</a:t>
+              <a:t>2024/10/10</a:t>
             </a:fld>
             <a:endParaRPr lang="zh-TW" altLang="en-US"/>
           </a:p>
@@ -1594,7 +1594,7 @@
     </p:spTree>
     <p:extLst>
       <p:ext uri="{BB962C8B-B14F-4D97-AF65-F5344CB8AC3E}">
-        <p14:creationId xmlns:p14="http://schemas.microsoft.com/office/powerpoint/2010/main" val="3850245997"/>
+        <p14:creationId xmlns:p14="http://schemas.microsoft.com/office/powerpoint/2010/main" val="917970000"/>
       </p:ext>
     </p:extLst>
   </p:cSld>
@@ -1723,7 +1723,7 @@
           <a:p>
             <a:fld id="{13F38D5B-A796-42A9-A25B-F776DA9F6316}" type="datetimeFigureOut">
               <a:rPr lang="zh-TW" altLang="en-US" smtClean="0"/>
-              <a:t>2024/9/9</a:t>
+              <a:t>2024/10/10</a:t>
             </a:fld>
             <a:endParaRPr lang="zh-TW" altLang="en-US"/>
           </a:p>
@@ -1774,7 +1774,7 @@
     </p:spTree>
     <p:extLst>
       <p:ext uri="{BB962C8B-B14F-4D97-AF65-F5344CB8AC3E}">
-        <p14:creationId xmlns:p14="http://schemas.microsoft.com/office/powerpoint/2010/main" val="2075682589"/>
+        <p14:creationId xmlns:p14="http://schemas.microsoft.com/office/powerpoint/2010/main" val="404088987"/>
       </p:ext>
     </p:extLst>
   </p:cSld>
@@ -1893,7 +1893,7 @@
           <a:p>
             <a:fld id="{13F38D5B-A796-42A9-A25B-F776DA9F6316}" type="datetimeFigureOut">
               <a:rPr lang="zh-TW" altLang="en-US" smtClean="0"/>
-              <a:t>2024/9/9</a:t>
+              <a:t>2024/10/10</a:t>
             </a:fld>
             <a:endParaRPr lang="zh-TW" altLang="en-US"/>
           </a:p>
@@ -1944,7 +1944,7 @@
     </p:spTree>
     <p:extLst>
       <p:ext uri="{BB962C8B-B14F-4D97-AF65-F5344CB8AC3E}">
-        <p14:creationId xmlns:p14="http://schemas.microsoft.com/office/powerpoint/2010/main" val="2376204954"/>
+        <p14:creationId xmlns:p14="http://schemas.microsoft.com/office/powerpoint/2010/main" val="705415711"/>
       </p:ext>
     </p:extLst>
   </p:cSld>
@@ -2144,7 +2144,7 @@
           <a:p>
             <a:fld id="{13F38D5B-A796-42A9-A25B-F776DA9F6316}" type="datetimeFigureOut">
               <a:rPr lang="zh-TW" altLang="en-US" smtClean="0"/>
-              <a:t>2024/9/9</a:t>
+              <a:t>2024/10/10</a:t>
             </a:fld>
             <a:endParaRPr lang="zh-TW" altLang="en-US"/>
           </a:p>
@@ -2230,7 +2230,7 @@
     </p:spTree>
     <p:extLst>
       <p:ext uri="{BB962C8B-B14F-4D97-AF65-F5344CB8AC3E}">
-        <p14:creationId xmlns:p14="http://schemas.microsoft.com/office/powerpoint/2010/main" val="3488627142"/>
+        <p14:creationId xmlns:p14="http://schemas.microsoft.com/office/powerpoint/2010/main" val="4251459196"/>
       </p:ext>
     </p:extLst>
   </p:cSld>
@@ -2467,7 +2467,7 @@
           <a:p>
             <a:fld id="{13F38D5B-A796-42A9-A25B-F776DA9F6316}" type="datetimeFigureOut">
               <a:rPr lang="zh-TW" altLang="en-US" smtClean="0"/>
-              <a:t>2024/9/9</a:t>
+              <a:t>2024/10/10</a:t>
             </a:fld>
             <a:endParaRPr lang="zh-TW" altLang="en-US"/>
           </a:p>
@@ -2518,7 +2518,7 @@
     </p:spTree>
     <p:extLst>
       <p:ext uri="{BB962C8B-B14F-4D97-AF65-F5344CB8AC3E}">
-        <p14:creationId xmlns:p14="http://schemas.microsoft.com/office/powerpoint/2010/main" val="1177423537"/>
+        <p14:creationId xmlns:p14="http://schemas.microsoft.com/office/powerpoint/2010/main" val="1285847024"/>
       </p:ext>
     </p:extLst>
   </p:cSld>
@@ -2891,7 +2891,7 @@
           <a:p>
             <a:fld id="{13F38D5B-A796-42A9-A25B-F776DA9F6316}" type="datetimeFigureOut">
               <a:rPr lang="zh-TW" altLang="en-US" smtClean="0"/>
-              <a:t>2024/9/9</a:t>
+              <a:t>2024/10/10</a:t>
             </a:fld>
             <a:endParaRPr lang="zh-TW" altLang="en-US"/>
           </a:p>
@@ -2942,7 +2942,7 @@
     </p:spTree>
     <p:extLst>
       <p:ext uri="{BB962C8B-B14F-4D97-AF65-F5344CB8AC3E}">
-        <p14:creationId xmlns:p14="http://schemas.microsoft.com/office/powerpoint/2010/main" val="2689362494"/>
+        <p14:creationId xmlns:p14="http://schemas.microsoft.com/office/powerpoint/2010/main" val="1263149370"/>
       </p:ext>
     </p:extLst>
   </p:cSld>
@@ -3009,7 +3009,7 @@
           <a:p>
             <a:fld id="{13F38D5B-A796-42A9-A25B-F776DA9F6316}" type="datetimeFigureOut">
               <a:rPr lang="zh-TW" altLang="en-US" smtClean="0"/>
-              <a:t>2024/9/9</a:t>
+              <a:t>2024/10/10</a:t>
             </a:fld>
             <a:endParaRPr lang="zh-TW" altLang="en-US"/>
           </a:p>
@@ -3060,7 +3060,7 @@
     </p:spTree>
     <p:extLst>
       <p:ext uri="{BB962C8B-B14F-4D97-AF65-F5344CB8AC3E}">
-        <p14:creationId xmlns:p14="http://schemas.microsoft.com/office/powerpoint/2010/main" val="3393648158"/>
+        <p14:creationId xmlns:p14="http://schemas.microsoft.com/office/powerpoint/2010/main" val="3065889443"/>
       </p:ext>
     </p:extLst>
   </p:cSld>
@@ -3104,7 +3104,7 @@
           <a:p>
             <a:fld id="{13F38D5B-A796-42A9-A25B-F776DA9F6316}" type="datetimeFigureOut">
               <a:rPr lang="zh-TW" altLang="en-US" smtClean="0"/>
-              <a:t>2024/9/9</a:t>
+              <a:t>2024/10/10</a:t>
             </a:fld>
             <a:endParaRPr lang="zh-TW" altLang="en-US"/>
           </a:p>
@@ -3155,7 +3155,7 @@
     </p:spTree>
     <p:extLst>
       <p:ext uri="{BB962C8B-B14F-4D97-AF65-F5344CB8AC3E}">
-        <p14:creationId xmlns:p14="http://schemas.microsoft.com/office/powerpoint/2010/main" val="1162072113"/>
+        <p14:creationId xmlns:p14="http://schemas.microsoft.com/office/powerpoint/2010/main" val="4067587108"/>
       </p:ext>
     </p:extLst>
   </p:cSld>
@@ -3394,7 +3394,7 @@
           <a:p>
             <a:fld id="{13F38D5B-A796-42A9-A25B-F776DA9F6316}" type="datetimeFigureOut">
               <a:rPr lang="zh-TW" altLang="en-US" smtClean="0"/>
-              <a:t>2024/9/9</a:t>
+              <a:t>2024/10/10</a:t>
             </a:fld>
             <a:endParaRPr lang="zh-TW" altLang="en-US"/>
           </a:p>
@@ -3445,7 +3445,7 @@
     </p:spTree>
     <p:extLst>
       <p:ext uri="{BB962C8B-B14F-4D97-AF65-F5344CB8AC3E}">
-        <p14:creationId xmlns:p14="http://schemas.microsoft.com/office/powerpoint/2010/main" val="2070022058"/>
+        <p14:creationId xmlns:p14="http://schemas.microsoft.com/office/powerpoint/2010/main" val="1991722883"/>
       </p:ext>
     </p:extLst>
   </p:cSld>
@@ -3666,7 +3666,7 @@
           <a:p>
             <a:fld id="{13F38D5B-A796-42A9-A25B-F776DA9F6316}" type="datetimeFigureOut">
               <a:rPr lang="zh-TW" altLang="en-US" smtClean="0"/>
-              <a:t>2024/9/9</a:t>
+              <a:t>2024/10/10</a:t>
             </a:fld>
             <a:endParaRPr lang="zh-TW" altLang="en-US"/>
           </a:p>
@@ -3717,7 +3717,7 @@
     </p:spTree>
     <p:extLst>
       <p:ext uri="{BB962C8B-B14F-4D97-AF65-F5344CB8AC3E}">
-        <p14:creationId xmlns:p14="http://schemas.microsoft.com/office/powerpoint/2010/main" val="1018974335"/>
+        <p14:creationId xmlns:p14="http://schemas.microsoft.com/office/powerpoint/2010/main" val="2512538016"/>
       </p:ext>
     </p:extLst>
   </p:cSld>
@@ -3920,7 +3920,7 @@
           <a:p>
             <a:fld id="{13F38D5B-A796-42A9-A25B-F776DA9F6316}" type="datetimeFigureOut">
               <a:rPr lang="zh-TW" altLang="en-US" smtClean="0"/>
-              <a:t>2024/9/9</a:t>
+              <a:t>2024/10/10</a:t>
             </a:fld>
             <a:endParaRPr lang="zh-TW" altLang="en-US"/>
           </a:p>
@@ -4003,23 +4003,23 @@
     </p:spTree>
     <p:extLst>
       <p:ext uri="{BB962C8B-B14F-4D97-AF65-F5344CB8AC3E}">
-        <p14:creationId xmlns:p14="http://schemas.microsoft.com/office/powerpoint/2010/main" val="4083475527"/>
+        <p14:creationId xmlns:p14="http://schemas.microsoft.com/office/powerpoint/2010/main" val="3606392116"/>
       </p:ext>
     </p:extLst>
   </p:cSld>
   <p:clrMap bg1="lt1" tx1="dk1" bg2="lt2" tx2="dk2" accent1="accent1" accent2="accent2" accent3="accent3" accent4="accent4" accent5="accent5" accent6="accent6" hlink="hlink" folHlink="folHlink"/>
   <p:sldLayoutIdLst>
-    <p:sldLayoutId id="2147483661" r:id="rId1"/>
-    <p:sldLayoutId id="2147483662" r:id="rId2"/>
-    <p:sldLayoutId id="2147483663" r:id="rId3"/>
-    <p:sldLayoutId id="2147483664" r:id="rId4"/>
-    <p:sldLayoutId id="2147483665" r:id="rId5"/>
-    <p:sldLayoutId id="2147483666" r:id="rId6"/>
-    <p:sldLayoutId id="2147483667" r:id="rId7"/>
-    <p:sldLayoutId id="2147483668" r:id="rId8"/>
-    <p:sldLayoutId id="2147483669" r:id="rId9"/>
-    <p:sldLayoutId id="2147483670" r:id="rId10"/>
-    <p:sldLayoutId id="2147483671" r:id="rId11"/>
+    <p:sldLayoutId id="2147483685" r:id="rId1"/>
+    <p:sldLayoutId id="2147483686" r:id="rId2"/>
+    <p:sldLayoutId id="2147483687" r:id="rId3"/>
+    <p:sldLayoutId id="2147483688" r:id="rId4"/>
+    <p:sldLayoutId id="2147483689" r:id="rId5"/>
+    <p:sldLayoutId id="2147483690" r:id="rId6"/>
+    <p:sldLayoutId id="2147483691" r:id="rId7"/>
+    <p:sldLayoutId id="2147483692" r:id="rId8"/>
+    <p:sldLayoutId id="2147483693" r:id="rId9"/>
+    <p:sldLayoutId id="2147483694" r:id="rId10"/>
+    <p:sldLayoutId id="2147483695" r:id="rId11"/>
   </p:sldLayoutIdLst>
   <p:txStyles>
     <p:titleStyle>
@@ -4367,6 +4367,14 @@
 <file path=ppt/slides/slide1.xml><?xml version="1.0" encoding="utf-8"?>
 <p:sld xmlns:a="http://schemas.openxmlformats.org/drawingml/2006/main" xmlns:r="http://schemas.openxmlformats.org/officeDocument/2006/relationships" xmlns:p="http://schemas.openxmlformats.org/presentationml/2006/main">
   <p:cSld>
+    <p:bg>
+      <p:bgPr>
+        <a:solidFill>
+          <a:schemeClr val="accent1"/>
+        </a:solidFill>
+        <a:effectLst/>
+      </p:bgPr>
+    </p:bg>
     <p:spTree>
       <p:nvGrpSpPr>
         <p:cNvPr id="1" name=""/>
@@ -4381,6 +4389,67 @@
           <a:chExt cx="0" cy="0"/>
         </a:xfrm>
       </p:grpSpPr>
+      <p:sp useBgFill="1">
+        <p:nvSpPr>
+          <p:cNvPr id="8" name="Rectangle 7">
+            <a:extLst>
+              <a:ext uri="{FF2B5EF4-FFF2-40B4-BE49-F238E27FC236}">
+                <a16:creationId xmlns:a16="http://schemas.microsoft.com/office/drawing/2014/main" id="{B0513689-D00A-4D15-B8A3-AA50EC4B2BB9}"/>
+              </a:ext>
+              <a:ext uri="{C183D7F6-B498-43B3-948B-1728B52AA6E4}">
+                <adec:decorative xmlns:adec="http://schemas.microsoft.com/office/drawing/2017/decorative" val="1"/>
+              </a:ext>
+            </a:extLst>
+          </p:cNvPr>
+          <p:cNvSpPr>
+            <a:spLocks noGrp="1" noRot="1" noChangeAspect="1" noMove="1" noResize="1" noEditPoints="1" noAdjustHandles="1" noChangeArrowheads="1" noChangeShapeType="1" noTextEdit="1"/>
+          </p:cNvSpPr>
+          <p:nvPr>
+            <p:extLst>
+              <p:ext uri="{386F3935-93C4-4BCD-93E2-E3B085C9AB24}">
+                <p16:designElem xmlns:p16="http://schemas.microsoft.com/office/powerpoint/2015/main" val="1"/>
+              </p:ext>
+            </p:extLst>
+          </p:nvPr>
+        </p:nvSpPr>
+        <p:spPr>
+          <a:xfrm>
+            <a:off x="231140" y="243840"/>
+            <a:ext cx="11724640" cy="6377939"/>
+          </a:xfrm>
+          <a:prstGeom prst="rect">
+            <a:avLst/>
+          </a:prstGeom>
+          <a:ln w="12700">
+            <a:solidFill>
+              <a:schemeClr val="tx1"/>
+            </a:solidFill>
+          </a:ln>
+        </p:spPr>
+        <p:style>
+          <a:lnRef idx="2">
+            <a:schemeClr val="accent1">
+              <a:shade val="50000"/>
+            </a:schemeClr>
+          </a:lnRef>
+          <a:fillRef idx="1">
+            <a:schemeClr val="accent1"/>
+          </a:fillRef>
+          <a:effectRef idx="0">
+            <a:schemeClr val="accent1"/>
+          </a:effectRef>
+          <a:fontRef idx="minor">
+            <a:schemeClr val="lt1"/>
+          </a:fontRef>
+        </p:style>
+        <p:txBody>
+          <a:bodyPr/>
+          <a:lstStyle/>
+          <a:p>
+            <a:endParaRPr lang="zh-TW" altLang="en-US"/>
+          </a:p>
+        </p:txBody>
+      </p:sp>
       <p:sp>
         <p:nvSpPr>
           <p:cNvPr id="2" name="標題 1">
@@ -4397,28 +4466,44 @@
             <p:ph type="ctrTitle"/>
           </p:nvPr>
         </p:nvSpPr>
-        <p:spPr/>
-        <p:txBody>
-          <a:bodyPr/>
-          <a:lstStyle/>
-          <a:p>
-            <a:r>
-              <a:rPr lang="zh-TW" altLang="en-US" dirty="0">
+        <p:spPr>
+          <a:xfrm>
+            <a:off x="2096913" y="686202"/>
+            <a:ext cx="3720228" cy="3070370"/>
+          </a:xfrm>
+        </p:spPr>
+        <p:txBody>
+          <a:bodyPr anchor="b">
+            <a:normAutofit/>
+          </a:bodyPr>
+          <a:lstStyle/>
+          <a:p>
+            <a:r>
+              <a:rPr lang="zh-TW" altLang="en-US" sz="6600" dirty="0">
+                <a:solidFill>
+                  <a:schemeClr val="tx1"/>
+                </a:solidFill>
                 <a:latin typeface="cjkFonts 全瀨體" panose="02000600000000000000" pitchFamily="2" charset="-128"/>
                 <a:ea typeface="cjkFonts 全瀨體" panose="02000600000000000000" pitchFamily="2" charset="-128"/>
                 <a:cs typeface="cjkFonts 全瀨體" panose="02000600000000000000" pitchFamily="2" charset="-128"/>
               </a:rPr>
-              <a:t>故事七步驟</a:t>
+              <a:t>自我介紹</a:t>
             </a:r>
             <a:br>
-              <a:rPr lang="en-US" altLang="zh-TW" dirty="0">
+              <a:rPr lang="en-US" altLang="zh-TW" sz="4000" dirty="0">
+                <a:solidFill>
+                  <a:schemeClr val="tx1"/>
+                </a:solidFill>
                 <a:latin typeface="cjkFonts 全瀨體" panose="02000600000000000000" pitchFamily="2" charset="-128"/>
                 <a:ea typeface="cjkFonts 全瀨體" panose="02000600000000000000" pitchFamily="2" charset="-128"/>
                 <a:cs typeface="cjkFonts 全瀨體" panose="02000600000000000000" pitchFamily="2" charset="-128"/>
               </a:rPr>
             </a:br>
             <a:r>
-              <a:rPr lang="en-US" altLang="zh-TW" dirty="0">
+              <a:rPr lang="en-US" altLang="zh-TW" sz="4000" dirty="0">
+                <a:solidFill>
+                  <a:schemeClr val="tx1"/>
+                </a:solidFill>
                 <a:latin typeface="cjkFonts 全瀨體" panose="02000600000000000000" pitchFamily="2" charset="-128"/>
                 <a:ea typeface="cjkFonts 全瀨體" panose="02000600000000000000" pitchFamily="2" charset="-128"/>
                 <a:cs typeface="cjkFonts 全瀨體" panose="02000600000000000000" pitchFamily="2" charset="-128"/>
@@ -4426,7 +4511,10 @@
               <a:t>(</a:t>
             </a:r>
             <a:r>
-              <a:rPr lang="en-US" altLang="zh-TW" dirty="0" err="1">
+              <a:rPr lang="en-US" altLang="zh-TW" sz="4000" dirty="0" err="1">
+                <a:solidFill>
+                  <a:schemeClr val="tx1"/>
+                </a:solidFill>
                 <a:latin typeface="cjkFonts 全瀨體" panose="02000600000000000000" pitchFamily="2" charset="-128"/>
                 <a:ea typeface="cjkFonts 全瀨體" panose="02000600000000000000" pitchFamily="2" charset="-128"/>
                 <a:cs typeface="cjkFonts 全瀨體" panose="02000600000000000000" pitchFamily="2" charset="-128"/>
@@ -4434,14 +4522,20 @@
               <a:t>Nizima</a:t>
             </a:r>
             <a:r>
-              <a:rPr lang="en-US" altLang="zh-TW" dirty="0">
+              <a:rPr lang="en-US" altLang="zh-TW" sz="4000" dirty="0">
+                <a:solidFill>
+                  <a:schemeClr val="tx1"/>
+                </a:solidFill>
                 <a:latin typeface="cjkFonts 全瀨體" panose="02000600000000000000" pitchFamily="2" charset="-128"/>
                 <a:ea typeface="cjkFonts 全瀨體" panose="02000600000000000000" pitchFamily="2" charset="-128"/>
                 <a:cs typeface="cjkFonts 全瀨體" panose="02000600000000000000" pitchFamily="2" charset="-128"/>
               </a:rPr>
               <a:t> live)</a:t>
             </a:r>
-            <a:endParaRPr lang="zh-TW" altLang="en-US" dirty="0">
+            <a:endParaRPr lang="zh-TW" altLang="en-US" sz="4000" dirty="0">
+              <a:solidFill>
+                <a:schemeClr val="tx1"/>
+              </a:solidFill>
               <a:latin typeface="cjkFonts 全瀨體" panose="02000600000000000000" pitchFamily="2" charset="-128"/>
               <a:ea typeface="cjkFonts 全瀨體" panose="02000600000000000000" pitchFamily="2" charset="-128"/>
               <a:cs typeface="cjkFonts 全瀨體" panose="02000600000000000000" pitchFamily="2" charset="-128"/>
@@ -4465,45 +4559,33 @@
             <p:ph type="subTitle" idx="1"/>
           </p:nvPr>
         </p:nvSpPr>
-        <p:spPr/>
-        <p:txBody>
-          <a:bodyPr>
-            <a:normAutofit lnSpcReduction="10000"/>
+        <p:spPr>
+          <a:xfrm>
+            <a:off x="2096911" y="3756572"/>
+            <a:ext cx="3720228" cy="2153859"/>
+          </a:xfrm>
+        </p:spPr>
+        <p:txBody>
+          <a:bodyPr anchor="t">
+            <a:normAutofit/>
           </a:bodyPr>
           <a:lstStyle/>
           <a:p>
-            <a:r>
-              <a:rPr lang="en-US" altLang="zh-TW" sz="3200" dirty="0">
-                <a:latin typeface="cjkFonts 全瀨體" panose="02000600000000000000" pitchFamily="2" charset="-128"/>
-                <a:ea typeface="cjkFonts 全瀨體" panose="02000600000000000000" pitchFamily="2" charset="-128"/>
-                <a:cs typeface="cjkFonts 全瀨體" panose="02000600000000000000" pitchFamily="2" charset="-128"/>
-              </a:rPr>
-              <a:t>112598006 </a:t>
-            </a:r>
-            <a:r>
-              <a:rPr lang="zh-TW" altLang="en-US" sz="3200" dirty="0">
-                <a:latin typeface="cjkFonts 全瀨體" panose="02000600000000000000" pitchFamily="2" charset="-128"/>
-                <a:ea typeface="cjkFonts 全瀨體" panose="02000600000000000000" pitchFamily="2" charset="-128"/>
-                <a:cs typeface="cjkFonts 全瀨體" panose="02000600000000000000" pitchFamily="2" charset="-128"/>
-              </a:rPr>
-              <a:t>李瑄文</a:t>
-            </a:r>
-            <a:endParaRPr lang="en-US" altLang="zh-TW" sz="3200" dirty="0">
+            <a:endParaRPr lang="en-US" altLang="zh-TW" sz="1600" dirty="0">
+              <a:solidFill>
+                <a:schemeClr val="tx1"/>
+              </a:solidFill>
               <a:latin typeface="cjkFonts 全瀨體" panose="02000600000000000000" pitchFamily="2" charset="-128"/>
               <a:ea typeface="cjkFonts 全瀨體" panose="02000600000000000000" pitchFamily="2" charset="-128"/>
               <a:cs typeface="cjkFonts 全瀨體" panose="02000600000000000000" pitchFamily="2" charset="-128"/>
             </a:endParaRPr>
           </a:p>
           <a:p>
-            <a:endParaRPr lang="en-US" altLang="zh-TW" dirty="0">
-              <a:latin typeface="cjkFonts 全瀨體" panose="02000600000000000000" pitchFamily="2" charset="-128"/>
-              <a:ea typeface="cjkFonts 全瀨體" panose="02000600000000000000" pitchFamily="2" charset="-128"/>
-              <a:cs typeface="cjkFonts 全瀨體" panose="02000600000000000000" pitchFamily="2" charset="-128"/>
-            </a:endParaRPr>
-          </a:p>
-          <a:p>
-            <a:r>
-              <a:rPr lang="en-US" altLang="zh-TW" dirty="0">
+            <a:r>
+              <a:rPr lang="en-US" altLang="zh-TW" sz="1600" dirty="0">
+                <a:solidFill>
+                  <a:schemeClr val="tx1"/>
+                </a:solidFill>
                 <a:latin typeface="cjkFonts 全瀨體" panose="02000600000000000000" pitchFamily="2" charset="-128"/>
                 <a:ea typeface="cjkFonts 全瀨體" panose="02000600000000000000" pitchFamily="2" charset="-128"/>
                 <a:cs typeface="cjkFonts 全瀨體" panose="02000600000000000000" pitchFamily="2" charset="-128"/>
@@ -4511,7 +4593,10 @@
               <a:t>(OOC</a:t>
             </a:r>
             <a:r>
-              <a:rPr lang="zh-TW" altLang="en-US" dirty="0">
+              <a:rPr lang="zh-TW" altLang="en-US" sz="1600" dirty="0">
+                <a:solidFill>
+                  <a:schemeClr val="tx1"/>
+                </a:solidFill>
                 <a:latin typeface="cjkFonts 全瀨體" panose="02000600000000000000" pitchFamily="2" charset="-128"/>
                 <a:ea typeface="cjkFonts 全瀨體" panose="02000600000000000000" pitchFamily="2" charset="-128"/>
                 <a:cs typeface="cjkFonts 全瀨體" panose="02000600000000000000" pitchFamily="2" charset="-128"/>
@@ -4519,14 +4604,20 @@
               <a:t>警告</a:t>
             </a:r>
             <a:r>
-              <a:rPr lang="en-US" altLang="zh-TW" dirty="0">
+              <a:rPr lang="en-US" altLang="zh-TW" sz="1600" dirty="0">
+                <a:solidFill>
+                  <a:schemeClr val="tx1"/>
+                </a:solidFill>
                 <a:latin typeface="cjkFonts 全瀨體" panose="02000600000000000000" pitchFamily="2" charset="-128"/>
                 <a:ea typeface="cjkFonts 全瀨體" panose="02000600000000000000" pitchFamily="2" charset="-128"/>
                 <a:cs typeface="cjkFonts 全瀨體" panose="02000600000000000000" pitchFamily="2" charset="-128"/>
               </a:rPr>
               <a:t>)</a:t>
             </a:r>
-            <a:endParaRPr lang="zh-TW" altLang="en-US" dirty="0">
+            <a:endParaRPr lang="zh-TW" altLang="en-US" sz="1600" dirty="0">
+              <a:solidFill>
+                <a:schemeClr val="tx1"/>
+              </a:solidFill>
               <a:latin typeface="cjkFonts 全瀨體" panose="02000600000000000000" pitchFamily="2" charset="-128"/>
               <a:ea typeface="cjkFonts 全瀨體" panose="02000600000000000000" pitchFamily="2" charset="-128"/>
               <a:cs typeface="cjkFonts 全瀨體" panose="02000600000000000000" pitchFamily="2" charset="-128"/>
@@ -4542,8 +4633,147 @@
     </p:extLst>
   </p:cSld>
   <p:clrMapOvr>
-    <a:masterClrMapping/>
+    <a:overrideClrMapping bg1="dk1" tx1="lt1" bg2="dk2" tx2="lt2" accent1="accent1" accent2="accent2" accent3="accent3" accent4="accent4" accent5="accent5" accent6="accent6" hlink="hlink" folHlink="folHlink"/>
   </p:clrMapOvr>
+  <p:timing>
+    <p:tnLst>
+      <p:par>
+        <p:cTn id="1" dur="indefinite" restart="never" nodeType="tmRoot">
+          <p:childTnLst>
+            <p:seq concurrent="1" nextAc="seek">
+              <p:cTn id="2" dur="indefinite" nodeType="mainSeq">
+                <p:childTnLst>
+                  <p:par>
+                    <p:cTn id="3" fill="hold">
+                      <p:stCondLst>
+                        <p:cond delay="indefinite"/>
+                        <p:cond evt="onBegin" delay="0">
+                          <p:tn val="2"/>
+                        </p:cond>
+                      </p:stCondLst>
+                      <p:childTnLst>
+                        <p:par>
+                          <p:cTn id="4" fill="hold">
+                            <p:stCondLst>
+                              <p:cond delay="0"/>
+                            </p:stCondLst>
+                            <p:childTnLst>
+                              <p:par>
+                                <p:cTn id="5" presetID="10" presetClass="entr" presetSubtype="0" fill="hold" grpId="0" nodeType="withEffect">
+                                  <p:stCondLst>
+                                    <p:cond delay="500"/>
+                                  </p:stCondLst>
+                                  <p:iterate type="wd">
+                                    <p:tmPct val="15000"/>
+                                  </p:iterate>
+                                  <p:childTnLst>
+                                    <p:set>
+                                      <p:cBhvr>
+                                        <p:cTn id="6" dur="1" fill="hold">
+                                          <p:stCondLst>
+                                            <p:cond delay="0"/>
+                                          </p:stCondLst>
+                                        </p:cTn>
+                                        <p:tgtEl>
+                                          <p:spTgt spid="2"/>
+                                        </p:tgtEl>
+                                        <p:attrNameLst>
+                                          <p:attrName>style.visibility</p:attrName>
+                                        </p:attrNameLst>
+                                      </p:cBhvr>
+                                      <p:to>
+                                        <p:strVal val="visible"/>
+                                      </p:to>
+                                    </p:set>
+                                    <p:animEffect transition="in" filter="fade">
+                                      <p:cBhvr>
+                                        <p:cTn id="7" dur="1000"/>
+                                        <p:tgtEl>
+                                          <p:spTgt spid="2"/>
+                                        </p:tgtEl>
+                                      </p:cBhvr>
+                                    </p:animEffect>
+                                  </p:childTnLst>
+                                </p:cTn>
+                              </p:par>
+                              <p:par>
+                                <p:cTn id="8" presetID="10" presetClass="entr" presetSubtype="0" fill="hold" grpId="0" nodeType="withEffect">
+                                  <p:stCondLst>
+                                    <p:cond delay="1000"/>
+                                  </p:stCondLst>
+                                  <p:iterate type="wd">
+                                    <p:tmPct val="15000"/>
+                                  </p:iterate>
+                                  <p:childTnLst>
+                                    <p:set>
+                                      <p:cBhvr>
+                                        <p:cTn id="9" dur="1" fill="hold">
+                                          <p:stCondLst>
+                                            <p:cond delay="0"/>
+                                          </p:stCondLst>
+                                        </p:cTn>
+                                        <p:tgtEl>
+                                          <p:spTgt spid="3">
+                                            <p:txEl>
+                                              <p:pRg st="1" end="1"/>
+                                            </p:txEl>
+                                          </p:spTgt>
+                                        </p:tgtEl>
+                                        <p:attrNameLst>
+                                          <p:attrName>style.visibility</p:attrName>
+                                        </p:attrNameLst>
+                                      </p:cBhvr>
+                                      <p:to>
+                                        <p:strVal val="visible"/>
+                                      </p:to>
+                                    </p:set>
+                                    <p:animEffect transition="in" filter="fade">
+                                      <p:cBhvr>
+                                        <p:cTn id="10" dur="1000"/>
+                                        <p:tgtEl>
+                                          <p:spTgt spid="3">
+                                            <p:txEl>
+                                              <p:pRg st="1" end="1"/>
+                                            </p:txEl>
+                                          </p:spTgt>
+                                        </p:tgtEl>
+                                      </p:cBhvr>
+                                    </p:animEffect>
+                                  </p:childTnLst>
+                                </p:cTn>
+                              </p:par>
+                            </p:childTnLst>
+                          </p:cTn>
+                        </p:par>
+                      </p:childTnLst>
+                    </p:cTn>
+                  </p:par>
+                </p:childTnLst>
+              </p:cTn>
+              <p:prevCondLst>
+                <p:cond evt="onPrev" delay="0">
+                  <p:tgtEl>
+                    <p:sldTgt/>
+                  </p:tgtEl>
+                </p:cond>
+              </p:prevCondLst>
+              <p:nextCondLst>
+                <p:cond evt="onNext" delay="0">
+                  <p:tgtEl>
+                    <p:sldTgt/>
+                  </p:tgtEl>
+                </p:cond>
+              </p:nextCondLst>
+            </p:seq>
+          </p:childTnLst>
+        </p:cTn>
+      </p:par>
+    </p:tnLst>
+    <p:bldLst>
+      <p:bldP spid="2" grpId="0"/>
+      <p:bldP spid="3" grpId="0" build="p"/>
+    </p:bldLst>
+  </p:timing>
 </p:sld>
 </file>
 
@@ -4605,48 +4835,6 @@
                 <a:cs typeface="cjkFonts 全瀨體" panose="02000600000000000000" pitchFamily="2" charset="-128"/>
               </a:rPr>
               <a:t>目標</a:t>
-            </a:r>
-          </a:p>
-        </p:txBody>
-      </p:sp>
-      <p:sp>
-        <p:nvSpPr>
-          <p:cNvPr id="3" name="內容版面配置區 2">
-            <a:extLst>
-              <a:ext uri="{FF2B5EF4-FFF2-40B4-BE49-F238E27FC236}">
-                <a16:creationId xmlns:a16="http://schemas.microsoft.com/office/drawing/2014/main" id="{7EE39173-26AE-75B4-19C1-FE87A0707F52}"/>
-              </a:ext>
-            </a:extLst>
-          </p:cNvPr>
-          <p:cNvSpPr>
-            <a:spLocks noGrp="1"/>
-          </p:cNvSpPr>
-          <p:nvPr>
-            <p:ph idx="1"/>
-          </p:nvPr>
-        </p:nvSpPr>
-        <p:spPr>
-          <a:xfrm>
-            <a:off x="685800" y="1225684"/>
-            <a:ext cx="6483485" cy="972767"/>
-          </a:xfrm>
-        </p:spPr>
-        <p:txBody>
-          <a:bodyPr>
-            <a:normAutofit/>
-          </a:bodyPr>
-          <a:lstStyle/>
-          <a:p>
-            <a:pPr marL="45720" indent="0">
-              <a:buNone/>
-            </a:pPr>
-            <a:r>
-              <a:rPr lang="zh-TW" altLang="en-US" dirty="0">
-                <a:latin typeface="cjkFonts 全瀨體" panose="02000600000000000000" pitchFamily="2" charset="-128"/>
-                <a:ea typeface="cjkFonts 全瀨體" panose="02000600000000000000" pitchFamily="2" charset="-128"/>
-                <a:cs typeface="cjkFonts 全瀨體" panose="02000600000000000000" pitchFamily="2" charset="-128"/>
-              </a:rPr>
-              <a:t>我是一位醫學系學生，目標是扎實學習心臟解剖學，並在未來成為一位獨當一面的心臟科醫師。</a:t>
             </a:r>
           </a:p>
         </p:txBody>
@@ -4673,7 +4861,7 @@
         </p:blipFill>
         <p:spPr>
           <a:xfrm>
-            <a:off x="1659213" y="1937750"/>
+            <a:off x="1630680" y="1489305"/>
             <a:ext cx="4536657" cy="4536657"/>
           </a:xfrm>
           <a:prstGeom prst="rect">
@@ -4756,48 +4944,6 @@
           </a:p>
         </p:txBody>
       </p:sp>
-      <p:sp>
-        <p:nvSpPr>
-          <p:cNvPr id="3" name="內容版面配置區 2">
-            <a:extLst>
-              <a:ext uri="{FF2B5EF4-FFF2-40B4-BE49-F238E27FC236}">
-                <a16:creationId xmlns:a16="http://schemas.microsoft.com/office/drawing/2014/main" id="{7EE39173-26AE-75B4-19C1-FE87A0707F52}"/>
-              </a:ext>
-            </a:extLst>
-          </p:cNvPr>
-          <p:cNvSpPr>
-            <a:spLocks noGrp="1"/>
-          </p:cNvSpPr>
-          <p:nvPr>
-            <p:ph idx="1"/>
-          </p:nvPr>
-        </p:nvSpPr>
-        <p:spPr>
-          <a:xfrm>
-            <a:off x="685800" y="1225684"/>
-            <a:ext cx="6483485" cy="972767"/>
-          </a:xfrm>
-        </p:spPr>
-        <p:txBody>
-          <a:bodyPr>
-            <a:normAutofit/>
-          </a:bodyPr>
-          <a:lstStyle/>
-          <a:p>
-            <a:pPr marL="45720" indent="0">
-              <a:buNone/>
-            </a:pPr>
-            <a:r>
-              <a:rPr lang="zh-TW" altLang="en-US" dirty="0">
-                <a:latin typeface="cjkFonts 全瀨體" panose="02000600000000000000" pitchFamily="2" charset="-128"/>
-                <a:ea typeface="cjkFonts 全瀨體" panose="02000600000000000000" pitchFamily="2" charset="-128"/>
-                <a:cs typeface="cjkFonts 全瀨體" panose="02000600000000000000" pitchFamily="2" charset="-128"/>
-              </a:rPr>
-              <a:t>平常因為課業繁忙，過多的知識要學習讓我吃不消，和理想中專業又從容的醫師形象有很大的差距。</a:t>
-            </a:r>
-          </a:p>
-        </p:txBody>
-      </p:sp>
       <p:pic>
         <p:nvPicPr>
           <p:cNvPr id="5" name="圖片 4" descr="一張含有 日本動畫, 卡通, 服裝, 人的臉孔 的圖片&#10;&#10;自動產生的描述">
@@ -4820,7 +4966,7 @@
         </p:blipFill>
         <p:spPr>
           <a:xfrm>
-            <a:off x="1669915" y="1994170"/>
+            <a:off x="1669915" y="1567126"/>
             <a:ext cx="4426085" cy="4426085"/>
           </a:xfrm>
           <a:prstGeom prst="rect">
@@ -4903,48 +5049,6 @@
           </a:p>
         </p:txBody>
       </p:sp>
-      <p:sp>
-        <p:nvSpPr>
-          <p:cNvPr id="3" name="內容版面配置區 2">
-            <a:extLst>
-              <a:ext uri="{FF2B5EF4-FFF2-40B4-BE49-F238E27FC236}">
-                <a16:creationId xmlns:a16="http://schemas.microsoft.com/office/drawing/2014/main" id="{7EE39173-26AE-75B4-19C1-FE87A0707F52}"/>
-              </a:ext>
-            </a:extLst>
-          </p:cNvPr>
-          <p:cNvSpPr>
-            <a:spLocks noGrp="1"/>
-          </p:cNvSpPr>
-          <p:nvPr>
-            <p:ph idx="1"/>
-          </p:nvPr>
-        </p:nvSpPr>
-        <p:spPr>
-          <a:xfrm>
-            <a:off x="685800" y="1225684"/>
-            <a:ext cx="6483485" cy="972767"/>
-          </a:xfrm>
-        </p:spPr>
-        <p:txBody>
-          <a:bodyPr>
-            <a:normAutofit/>
-          </a:bodyPr>
-          <a:lstStyle/>
-          <a:p>
-            <a:pPr marL="45720" indent="0">
-              <a:buNone/>
-            </a:pPr>
-            <a:r>
-              <a:rPr lang="zh-TW" altLang="en-US" dirty="0">
-                <a:latin typeface="cjkFonts 全瀨體" panose="02000600000000000000" pitchFamily="2" charset="-128"/>
-                <a:ea typeface="cjkFonts 全瀨體" panose="02000600000000000000" pitchFamily="2" charset="-128"/>
-                <a:cs typeface="cjkFonts 全瀨體" panose="02000600000000000000" pitchFamily="2" charset="-128"/>
-              </a:rPr>
-              <a:t>於是我不斷努力吸收專業知識，並培養興趣：刺繡，勞逸結合的同時也能夠朝目標更進一步。</a:t>
-            </a:r>
-          </a:p>
-        </p:txBody>
-      </p:sp>
       <p:pic>
         <p:nvPicPr>
           <p:cNvPr id="6" name="圖片 5" descr="一張含有 日本動畫, 卡通, 漫畫, 姬髮式 的圖片&#10;&#10;自動產生的描述">
@@ -4967,7 +5071,7 @@
         </p:blipFill>
         <p:spPr>
           <a:xfrm>
-            <a:off x="1724227" y="2023353"/>
+            <a:off x="1689370" y="1653702"/>
             <a:ext cx="4406630" cy="4406630"/>
           </a:xfrm>
           <a:prstGeom prst="rect">
@@ -5050,48 +5154,6 @@
           </a:p>
         </p:txBody>
       </p:sp>
-      <p:sp>
-        <p:nvSpPr>
-          <p:cNvPr id="3" name="內容版面配置區 2">
-            <a:extLst>
-              <a:ext uri="{FF2B5EF4-FFF2-40B4-BE49-F238E27FC236}">
-                <a16:creationId xmlns:a16="http://schemas.microsoft.com/office/drawing/2014/main" id="{7EE39173-26AE-75B4-19C1-FE87A0707F52}"/>
-              </a:ext>
-            </a:extLst>
-          </p:cNvPr>
-          <p:cNvSpPr>
-            <a:spLocks noGrp="1"/>
-          </p:cNvSpPr>
-          <p:nvPr>
-            <p:ph idx="1"/>
-          </p:nvPr>
-        </p:nvSpPr>
-        <p:spPr>
-          <a:xfrm>
-            <a:off x="685800" y="1225684"/>
-            <a:ext cx="6483485" cy="1235414"/>
-          </a:xfrm>
-        </p:spPr>
-        <p:txBody>
-          <a:bodyPr>
-            <a:normAutofit/>
-          </a:bodyPr>
-          <a:lstStyle/>
-          <a:p>
-            <a:pPr marL="45720" indent="0">
-              <a:buNone/>
-            </a:pPr>
-            <a:r>
-              <a:rPr lang="zh-TW" altLang="en-US" dirty="0">
-                <a:latin typeface="cjkFonts 全瀨體" panose="02000600000000000000" pitchFamily="2" charset="-128"/>
-                <a:ea typeface="cjkFonts 全瀨體" panose="02000600000000000000" pitchFamily="2" charset="-128"/>
-                <a:cs typeface="cjkFonts 全瀨體" panose="02000600000000000000" pitchFamily="2" charset="-128"/>
-              </a:rPr>
-              <a:t>不知不覺間，經過四年的學習，我成為了一名實習醫師。不同於書本上的知識，實習醫師需要面對患者，層出不窮的突發情形讓我很挫折。</a:t>
-            </a:r>
-          </a:p>
-        </p:txBody>
-      </p:sp>
       <p:pic>
         <p:nvPicPr>
           <p:cNvPr id="5" name="圖片 4" descr="一張含有 日本動畫, 卡通, 漫畫, 姬髮式 的圖片&#10;&#10;自動產生的描述">
@@ -5114,7 +5176,7 @@
         </p:blipFill>
         <p:spPr>
           <a:xfrm>
-            <a:off x="1909864" y="2303835"/>
+            <a:off x="1744493" y="1671538"/>
             <a:ext cx="4186136" cy="4186136"/>
           </a:xfrm>
           <a:prstGeom prst="rect">
@@ -5197,48 +5259,6 @@
           </a:p>
         </p:txBody>
       </p:sp>
-      <p:sp>
-        <p:nvSpPr>
-          <p:cNvPr id="3" name="內容版面配置區 2">
-            <a:extLst>
-              <a:ext uri="{FF2B5EF4-FFF2-40B4-BE49-F238E27FC236}">
-                <a16:creationId xmlns:a16="http://schemas.microsoft.com/office/drawing/2014/main" id="{7EE39173-26AE-75B4-19C1-FE87A0707F52}"/>
-              </a:ext>
-            </a:extLst>
-          </p:cNvPr>
-          <p:cNvSpPr>
-            <a:spLocks noGrp="1"/>
-          </p:cNvSpPr>
-          <p:nvPr>
-            <p:ph idx="1"/>
-          </p:nvPr>
-        </p:nvSpPr>
-        <p:spPr>
-          <a:xfrm>
-            <a:off x="685800" y="1225684"/>
-            <a:ext cx="6483485" cy="972767"/>
-          </a:xfrm>
-        </p:spPr>
-        <p:txBody>
-          <a:bodyPr>
-            <a:normAutofit lnSpcReduction="10000"/>
-          </a:bodyPr>
-          <a:lstStyle/>
-          <a:p>
-            <a:pPr marL="45720" indent="0">
-              <a:buNone/>
-            </a:pPr>
-            <a:r>
-              <a:rPr lang="zh-TW" altLang="en-US" dirty="0">
-                <a:latin typeface="cjkFonts 全瀨體" panose="02000600000000000000" pitchFamily="2" charset="-128"/>
-                <a:ea typeface="cjkFonts 全瀨體" panose="02000600000000000000" pitchFamily="2" charset="-128"/>
-                <a:cs typeface="cjkFonts 全瀨體" panose="02000600000000000000" pitchFamily="2" charset="-128"/>
-              </a:rPr>
-              <a:t>有一天，我在心臟外科門診遇到一個病患妹妹，看到她面對疾病仍陽光開朗的樣子，我發覺跟她病情相比我的煩惱都不算什麼。</a:t>
-            </a:r>
-          </a:p>
-        </p:txBody>
-      </p:sp>
       <p:pic>
         <p:nvPicPr>
           <p:cNvPr id="5" name="圖片 4" descr="一張含有 日本動畫, 卡通, 姬髮式, 服裝 的圖片&#10;&#10;自動產生的描述">
@@ -5261,7 +5281,7 @@
         </p:blipFill>
         <p:spPr>
           <a:xfrm>
-            <a:off x="1952017" y="2305454"/>
+            <a:off x="1747736" y="1610900"/>
             <a:ext cx="4143983" cy="4143983"/>
           </a:xfrm>
           <a:prstGeom prst="rect">
@@ -5344,48 +5364,6 @@
           </a:p>
         </p:txBody>
       </p:sp>
-      <p:sp>
-        <p:nvSpPr>
-          <p:cNvPr id="3" name="內容版面配置區 2">
-            <a:extLst>
-              <a:ext uri="{FF2B5EF4-FFF2-40B4-BE49-F238E27FC236}">
-                <a16:creationId xmlns:a16="http://schemas.microsoft.com/office/drawing/2014/main" id="{7EE39173-26AE-75B4-19C1-FE87A0707F52}"/>
-              </a:ext>
-            </a:extLst>
-          </p:cNvPr>
-          <p:cNvSpPr>
-            <a:spLocks noGrp="1"/>
-          </p:cNvSpPr>
-          <p:nvPr>
-            <p:ph idx="1"/>
-          </p:nvPr>
-        </p:nvSpPr>
-        <p:spPr>
-          <a:xfrm>
-            <a:off x="685800" y="1225684"/>
-            <a:ext cx="6483485" cy="972767"/>
-          </a:xfrm>
-        </p:spPr>
-        <p:txBody>
-          <a:bodyPr>
-            <a:normAutofit lnSpcReduction="10000"/>
-          </a:bodyPr>
-          <a:lstStyle/>
-          <a:p>
-            <a:pPr marL="45720" indent="0">
-              <a:buNone/>
-            </a:pPr>
-            <a:r>
-              <a:rPr lang="zh-TW" altLang="en-US" dirty="0">
-                <a:latin typeface="cjkFonts 全瀨體" panose="02000600000000000000" pitchFamily="2" charset="-128"/>
-                <a:ea typeface="cjkFonts 全瀨體" panose="02000600000000000000" pitchFamily="2" charset="-128"/>
-                <a:cs typeface="cjkFonts 全瀨體" panose="02000600000000000000" pitchFamily="2" charset="-128"/>
-              </a:rPr>
-              <a:t>為了治好像那位病患妹妹一樣的人，我更加努力實務學習與訓練。白天在醫院工作，晚上繼續啃教科書內容。</a:t>
-            </a:r>
-          </a:p>
-        </p:txBody>
-      </p:sp>
       <p:pic>
         <p:nvPicPr>
           <p:cNvPr id="7" name="圖片 6" descr="一張含有 日本動畫, 卡通, 姬髮式, 人的臉孔 的圖片&#10;&#10;自動產生的描述">
@@ -5414,7 +5392,7 @@
         </p:blipFill>
         <p:spPr>
           <a:xfrm>
-            <a:off x="1951368" y="2198451"/>
+            <a:off x="1732495" y="1567126"/>
             <a:ext cx="4275956" cy="4275956"/>
           </a:xfrm>
           <a:prstGeom prst="rect">
@@ -5497,48 +5475,6 @@
           </a:p>
         </p:txBody>
       </p:sp>
-      <p:sp>
-        <p:nvSpPr>
-          <p:cNvPr id="3" name="內容版面配置區 2">
-            <a:extLst>
-              <a:ext uri="{FF2B5EF4-FFF2-40B4-BE49-F238E27FC236}">
-                <a16:creationId xmlns:a16="http://schemas.microsoft.com/office/drawing/2014/main" id="{7EE39173-26AE-75B4-19C1-FE87A0707F52}"/>
-              </a:ext>
-            </a:extLst>
-          </p:cNvPr>
-          <p:cNvSpPr>
-            <a:spLocks noGrp="1"/>
-          </p:cNvSpPr>
-          <p:nvPr>
-            <p:ph idx="1"/>
-          </p:nvPr>
-        </p:nvSpPr>
-        <p:spPr>
-          <a:xfrm>
-            <a:off x="685800" y="1225684"/>
-            <a:ext cx="6483485" cy="972767"/>
-          </a:xfrm>
-        </p:spPr>
-        <p:txBody>
-          <a:bodyPr>
-            <a:normAutofit/>
-          </a:bodyPr>
-          <a:lstStyle/>
-          <a:p>
-            <a:pPr marL="45720" indent="0">
-              <a:buNone/>
-            </a:pPr>
-            <a:r>
-              <a:rPr lang="zh-TW" altLang="en-US" dirty="0">
-                <a:latin typeface="cjkFonts 全瀨體" panose="02000600000000000000" pitchFamily="2" charset="-128"/>
-                <a:ea typeface="cjkFonts 全瀨體" panose="02000600000000000000" pitchFamily="2" charset="-128"/>
-                <a:cs typeface="cjkFonts 全瀨體" panose="02000600000000000000" pitchFamily="2" charset="-128"/>
-              </a:rPr>
-              <a:t>最終我獲得許多病患與醫護人員的讚賞，成為了一個優秀的心臟外科醫生。</a:t>
-            </a:r>
-          </a:p>
-        </p:txBody>
-      </p:sp>
       <p:pic>
         <p:nvPicPr>
           <p:cNvPr id="5" name="圖片 4" descr="一張含有 日本動畫, 卡通, 人的臉孔, 服裝 的圖片&#10;&#10;自動產生的描述">
@@ -5567,7 +5503,7 @@
         </p:blipFill>
         <p:spPr>
           <a:xfrm>
-            <a:off x="1845823" y="2198451"/>
+            <a:off x="1806912" y="1644947"/>
             <a:ext cx="4163438" cy="4163438"/>
           </a:xfrm>
           <a:prstGeom prst="rect">

--- a/hw01.pptx
+++ b/hw01.pptx
@@ -204,7 +204,7 @@
           <a:p>
             <a:fld id="{5A28D9C0-FD00-4FB3-8104-BA389FCB1133}" type="datetimeFigureOut">
               <a:rPr lang="zh-TW" altLang="en-US" smtClean="0"/>
-              <a:t>2024/10/10</a:t>
+              <a:t>2024/10/13</a:t>
             </a:fld>
             <a:endParaRPr lang="zh-TW" altLang="en-US"/>
           </a:p>
@@ -1322,7 +1322,7 @@
           <a:p>
             <a:fld id="{13F38D5B-A796-42A9-A25B-F776DA9F6316}" type="datetimeFigureOut">
               <a:rPr lang="zh-TW" altLang="en-US" smtClean="0"/>
-              <a:t>2024/10/10</a:t>
+              <a:t>2024/10/13</a:t>
             </a:fld>
             <a:endParaRPr lang="zh-TW" altLang="en-US"/>
           </a:p>
@@ -1543,7 +1543,7 @@
           <a:p>
             <a:fld id="{13F38D5B-A796-42A9-A25B-F776DA9F6316}" type="datetimeFigureOut">
               <a:rPr lang="zh-TW" altLang="en-US" smtClean="0"/>
-              <a:t>2024/10/10</a:t>
+              <a:t>2024/10/13</a:t>
             </a:fld>
             <a:endParaRPr lang="zh-TW" altLang="en-US"/>
           </a:p>
@@ -1723,7 +1723,7 @@
           <a:p>
             <a:fld id="{13F38D5B-A796-42A9-A25B-F776DA9F6316}" type="datetimeFigureOut">
               <a:rPr lang="zh-TW" altLang="en-US" smtClean="0"/>
-              <a:t>2024/10/10</a:t>
+              <a:t>2024/10/13</a:t>
             </a:fld>
             <a:endParaRPr lang="zh-TW" altLang="en-US"/>
           </a:p>
@@ -1893,7 +1893,7 @@
           <a:p>
             <a:fld id="{13F38D5B-A796-42A9-A25B-F776DA9F6316}" type="datetimeFigureOut">
               <a:rPr lang="zh-TW" altLang="en-US" smtClean="0"/>
-              <a:t>2024/10/10</a:t>
+              <a:t>2024/10/13</a:t>
             </a:fld>
             <a:endParaRPr lang="zh-TW" altLang="en-US"/>
           </a:p>
@@ -2144,7 +2144,7 @@
           <a:p>
             <a:fld id="{13F38D5B-A796-42A9-A25B-F776DA9F6316}" type="datetimeFigureOut">
               <a:rPr lang="zh-TW" altLang="en-US" smtClean="0"/>
-              <a:t>2024/10/10</a:t>
+              <a:t>2024/10/13</a:t>
             </a:fld>
             <a:endParaRPr lang="zh-TW" altLang="en-US"/>
           </a:p>
@@ -2467,7 +2467,7 @@
           <a:p>
             <a:fld id="{13F38D5B-A796-42A9-A25B-F776DA9F6316}" type="datetimeFigureOut">
               <a:rPr lang="zh-TW" altLang="en-US" smtClean="0"/>
-              <a:t>2024/10/10</a:t>
+              <a:t>2024/10/13</a:t>
             </a:fld>
             <a:endParaRPr lang="zh-TW" altLang="en-US"/>
           </a:p>
@@ -2891,7 +2891,7 @@
           <a:p>
             <a:fld id="{13F38D5B-A796-42A9-A25B-F776DA9F6316}" type="datetimeFigureOut">
               <a:rPr lang="zh-TW" altLang="en-US" smtClean="0"/>
-              <a:t>2024/10/10</a:t>
+              <a:t>2024/10/13</a:t>
             </a:fld>
             <a:endParaRPr lang="zh-TW" altLang="en-US"/>
           </a:p>
@@ -3009,7 +3009,7 @@
           <a:p>
             <a:fld id="{13F38D5B-A796-42A9-A25B-F776DA9F6316}" type="datetimeFigureOut">
               <a:rPr lang="zh-TW" altLang="en-US" smtClean="0"/>
-              <a:t>2024/10/10</a:t>
+              <a:t>2024/10/13</a:t>
             </a:fld>
             <a:endParaRPr lang="zh-TW" altLang="en-US"/>
           </a:p>
@@ -3104,7 +3104,7 @@
           <a:p>
             <a:fld id="{13F38D5B-A796-42A9-A25B-F776DA9F6316}" type="datetimeFigureOut">
               <a:rPr lang="zh-TW" altLang="en-US" smtClean="0"/>
-              <a:t>2024/10/10</a:t>
+              <a:t>2024/10/13</a:t>
             </a:fld>
             <a:endParaRPr lang="zh-TW" altLang="en-US"/>
           </a:p>
@@ -3394,7 +3394,7 @@
           <a:p>
             <a:fld id="{13F38D5B-A796-42A9-A25B-F776DA9F6316}" type="datetimeFigureOut">
               <a:rPr lang="zh-TW" altLang="en-US" smtClean="0"/>
-              <a:t>2024/10/10</a:t>
+              <a:t>2024/10/13</a:t>
             </a:fld>
             <a:endParaRPr lang="zh-TW" altLang="en-US"/>
           </a:p>
@@ -3666,7 +3666,7 @@
           <a:p>
             <a:fld id="{13F38D5B-A796-42A9-A25B-F776DA9F6316}" type="datetimeFigureOut">
               <a:rPr lang="zh-TW" altLang="en-US" smtClean="0"/>
-              <a:t>2024/10/10</a:t>
+              <a:t>2024/10/13</a:t>
             </a:fld>
             <a:endParaRPr lang="zh-TW" altLang="en-US"/>
           </a:p>
@@ -3920,7 +3920,7 @@
           <a:p>
             <a:fld id="{13F38D5B-A796-42A9-A25B-F776DA9F6316}" type="datetimeFigureOut">
               <a:rPr lang="zh-TW" altLang="en-US" smtClean="0"/>
-              <a:t>2024/10/10</a:t>
+              <a:t>2024/10/13</a:t>
             </a:fld>
             <a:endParaRPr lang="zh-TW" altLang="en-US"/>
           </a:p>
